--- a/Semana-6/sql.pptx
+++ b/Semana-6/sql.pptx
@@ -25,8 +25,6 @@
     <p:sldId id="273" r:id="rId19"/>
     <p:sldId id="274" r:id="rId20"/>
     <p:sldId id="275" r:id="rId21"/>
-    <p:sldId id="276" r:id="rId22"/>
-    <p:sldId id="277" r:id="rId23"/>
   </p:sldIdLst>
   <p:sldSz cx="12192000" cy="6858000"/>
   <p:notesSz cx="6858000" cy="9144000"/>
@@ -2864,7 +2862,7 @@
           <a:p>
             <a:fld id="{7F684E52-5C72-4FE8-8106-00848F0A69E0}" type="datetimeFigureOut">
               <a:rPr lang="es-CO" smtClean="0"/>
-              <a:t>1/12/2020</a:t>
+              <a:t>2/12/2020</a:t>
             </a:fld>
             <a:endParaRPr lang="es-CO"/>
           </a:p>
@@ -3151,7 +3149,7 @@
           <a:p>
             <a:fld id="{7F684E52-5C72-4FE8-8106-00848F0A69E0}" type="datetimeFigureOut">
               <a:rPr lang="es-CO" smtClean="0"/>
-              <a:t>1/12/2020</a:t>
+              <a:t>2/12/2020</a:t>
             </a:fld>
             <a:endParaRPr lang="es-CO"/>
           </a:p>
@@ -3343,7 +3341,7 @@
           <a:p>
             <a:fld id="{7F684E52-5C72-4FE8-8106-00848F0A69E0}" type="datetimeFigureOut">
               <a:rPr lang="es-CO" smtClean="0"/>
-              <a:t>1/12/2020</a:t>
+              <a:t>2/12/2020</a:t>
             </a:fld>
             <a:endParaRPr lang="es-CO"/>
           </a:p>
@@ -3604,7 +3602,7 @@
           <a:p>
             <a:fld id="{7F684E52-5C72-4FE8-8106-00848F0A69E0}" type="datetimeFigureOut">
               <a:rPr lang="es-CO" smtClean="0"/>
-              <a:t>1/12/2020</a:t>
+              <a:t>2/12/2020</a:t>
             </a:fld>
             <a:endParaRPr lang="es-CO"/>
           </a:p>
@@ -4028,7 +4026,7 @@
           <a:p>
             <a:fld id="{7F684E52-5C72-4FE8-8106-00848F0A69E0}" type="datetimeFigureOut">
               <a:rPr lang="es-CO" smtClean="0"/>
-              <a:t>1/12/2020</a:t>
+              <a:t>2/12/2020</a:t>
             </a:fld>
             <a:endParaRPr lang="es-CO"/>
           </a:p>
@@ -4574,7 +4572,7 @@
           <a:p>
             <a:fld id="{7F684E52-5C72-4FE8-8106-00848F0A69E0}" type="datetimeFigureOut">
               <a:rPr lang="es-CO" smtClean="0"/>
-              <a:t>1/12/2020</a:t>
+              <a:t>2/12/2020</a:t>
             </a:fld>
             <a:endParaRPr lang="es-CO"/>
           </a:p>
@@ -5414,7 +5412,7 @@
           <a:p>
             <a:fld id="{7F684E52-5C72-4FE8-8106-00848F0A69E0}" type="datetimeFigureOut">
               <a:rPr lang="es-CO" smtClean="0"/>
-              <a:t>1/12/2020</a:t>
+              <a:t>2/12/2020</a:t>
             </a:fld>
             <a:endParaRPr lang="es-CO"/>
           </a:p>
@@ -5584,7 +5582,7 @@
           <a:p>
             <a:fld id="{7F684E52-5C72-4FE8-8106-00848F0A69E0}" type="datetimeFigureOut">
               <a:rPr lang="es-CO" smtClean="0"/>
-              <a:t>1/12/2020</a:t>
+              <a:t>2/12/2020</a:t>
             </a:fld>
             <a:endParaRPr lang="es-CO"/>
           </a:p>
@@ -5768,7 +5766,7 @@
           <a:p>
             <a:fld id="{7F684E52-5C72-4FE8-8106-00848F0A69E0}" type="datetimeFigureOut">
               <a:rPr lang="es-CO" smtClean="0"/>
-              <a:t>1/12/2020</a:t>
+              <a:t>2/12/2020</a:t>
             </a:fld>
             <a:endParaRPr lang="es-CO"/>
           </a:p>
@@ -5938,7 +5936,7 @@
           <a:p>
             <a:fld id="{7F684E52-5C72-4FE8-8106-00848F0A69E0}" type="datetimeFigureOut">
               <a:rPr lang="es-CO" smtClean="0"/>
-              <a:t>1/12/2020</a:t>
+              <a:t>2/12/2020</a:t>
             </a:fld>
             <a:endParaRPr lang="es-CO"/>
           </a:p>
@@ -6186,7 +6184,7 @@
           <a:p>
             <a:fld id="{7F684E52-5C72-4FE8-8106-00848F0A69E0}" type="datetimeFigureOut">
               <a:rPr lang="es-CO" smtClean="0"/>
-              <a:t>1/12/2020</a:t>
+              <a:t>2/12/2020</a:t>
             </a:fld>
             <a:endParaRPr lang="es-CO"/>
           </a:p>
@@ -6423,7 +6421,7 @@
           <a:p>
             <a:fld id="{7F684E52-5C72-4FE8-8106-00848F0A69E0}" type="datetimeFigureOut">
               <a:rPr lang="es-CO" smtClean="0"/>
-              <a:t>1/12/2020</a:t>
+              <a:t>2/12/2020</a:t>
             </a:fld>
             <a:endParaRPr lang="es-CO"/>
           </a:p>
@@ -6796,7 +6794,7 @@
           <a:p>
             <a:fld id="{7F684E52-5C72-4FE8-8106-00848F0A69E0}" type="datetimeFigureOut">
               <a:rPr lang="es-CO" smtClean="0"/>
-              <a:t>1/12/2020</a:t>
+              <a:t>2/12/2020</a:t>
             </a:fld>
             <a:endParaRPr lang="es-CO"/>
           </a:p>
@@ -6914,7 +6912,7 @@
           <a:p>
             <a:fld id="{7F684E52-5C72-4FE8-8106-00848F0A69E0}" type="datetimeFigureOut">
               <a:rPr lang="es-CO" smtClean="0"/>
-              <a:t>1/12/2020</a:t>
+              <a:t>2/12/2020</a:t>
             </a:fld>
             <a:endParaRPr lang="es-CO"/>
           </a:p>
@@ -7009,7 +7007,7 @@
           <a:p>
             <a:fld id="{7F684E52-5C72-4FE8-8106-00848F0A69E0}" type="datetimeFigureOut">
               <a:rPr lang="es-CO" smtClean="0"/>
-              <a:t>1/12/2020</a:t>
+              <a:t>2/12/2020</a:t>
             </a:fld>
             <a:endParaRPr lang="es-CO"/>
           </a:p>
@@ -7260,7 +7258,7 @@
           <a:p>
             <a:fld id="{7F684E52-5C72-4FE8-8106-00848F0A69E0}" type="datetimeFigureOut">
               <a:rPr lang="es-CO" smtClean="0"/>
-              <a:t>1/12/2020</a:t>
+              <a:t>2/12/2020</a:t>
             </a:fld>
             <a:endParaRPr lang="es-CO"/>
           </a:p>
@@ -7547,7 +7545,7 @@
           <a:p>
             <a:fld id="{7F684E52-5C72-4FE8-8106-00848F0A69E0}" type="datetimeFigureOut">
               <a:rPr lang="es-CO" smtClean="0"/>
-              <a:t>1/12/2020</a:t>
+              <a:t>2/12/2020</a:t>
             </a:fld>
             <a:endParaRPr lang="es-CO"/>
           </a:p>
@@ -7760,7 +7758,7 @@
           <a:p>
             <a:fld id="{7F684E52-5C72-4FE8-8106-00848F0A69E0}" type="datetimeFigureOut">
               <a:rPr lang="es-CO" smtClean="0"/>
-              <a:t>1/12/2020</a:t>
+              <a:t>2/12/2020</a:t>
             </a:fld>
             <a:endParaRPr lang="es-CO"/>
           </a:p>
@@ -11438,166 +11436,6 @@
 </p:sld>
 </file>
 
-<file path=ppt/slides/slide21.xml><?xml version="1.0" encoding="utf-8"?>
-<p:sld xmlns:a="http://schemas.openxmlformats.org/drawingml/2006/main" xmlns:r="http://schemas.openxmlformats.org/officeDocument/2006/relationships" xmlns:p="http://schemas.openxmlformats.org/presentationml/2006/main">
-  <p:cSld>
-    <p:spTree>
-      <p:nvGrpSpPr>
-        <p:cNvPr id="1" name=""/>
-        <p:cNvGrpSpPr/>
-        <p:nvPr/>
-      </p:nvGrpSpPr>
-      <p:grpSpPr>
-        <a:xfrm>
-          <a:off x="0" y="0"/>
-          <a:ext cx="0" cy="0"/>
-          <a:chOff x="0" y="0"/>
-          <a:chExt cx="0" cy="0"/>
-        </a:xfrm>
-      </p:grpSpPr>
-      <p:sp>
-        <p:nvSpPr>
-          <p:cNvPr id="2" name="Título 1">
-            <a:extLst>
-              <a:ext uri="{FF2B5EF4-FFF2-40B4-BE49-F238E27FC236}">
-                <a16:creationId xmlns:a16="http://schemas.microsoft.com/office/drawing/2014/main" id="{2ACD23E8-E87C-42BA-AD73-2843E8AC21D7}"/>
-              </a:ext>
-            </a:extLst>
-          </p:cNvPr>
-          <p:cNvSpPr>
-            <a:spLocks noGrp="1"/>
-          </p:cNvSpPr>
-          <p:nvPr>
-            <p:ph type="title"/>
-          </p:nvPr>
-        </p:nvSpPr>
-        <p:spPr/>
-        <p:txBody>
-          <a:bodyPr/>
-          <a:lstStyle/>
-          <a:p>
-            <a:endParaRPr lang="es-CO"/>
-          </a:p>
-        </p:txBody>
-      </p:sp>
-      <p:sp>
-        <p:nvSpPr>
-          <p:cNvPr id="3" name="Marcador de contenido 2">
-            <a:extLst>
-              <a:ext uri="{FF2B5EF4-FFF2-40B4-BE49-F238E27FC236}">
-                <a16:creationId xmlns:a16="http://schemas.microsoft.com/office/drawing/2014/main" id="{25A4E81F-4BA4-40EE-B806-2F2814D5B3DC}"/>
-              </a:ext>
-            </a:extLst>
-          </p:cNvPr>
-          <p:cNvSpPr>
-            <a:spLocks noGrp="1"/>
-          </p:cNvSpPr>
-          <p:nvPr>
-            <p:ph idx="1"/>
-          </p:nvPr>
-        </p:nvSpPr>
-        <p:spPr/>
-        <p:txBody>
-          <a:bodyPr/>
-          <a:lstStyle/>
-          <a:p>
-            <a:endParaRPr lang="es-CO"/>
-          </a:p>
-        </p:txBody>
-      </p:sp>
-    </p:spTree>
-    <p:extLst>
-      <p:ext uri="{BB962C8B-B14F-4D97-AF65-F5344CB8AC3E}">
-        <p14:creationId xmlns:p14="http://schemas.microsoft.com/office/powerpoint/2010/main" val="3391109290"/>
-      </p:ext>
-    </p:extLst>
-  </p:cSld>
-  <p:clrMapOvr>
-    <a:masterClrMapping/>
-  </p:clrMapOvr>
-</p:sld>
-</file>
-
-<file path=ppt/slides/slide22.xml><?xml version="1.0" encoding="utf-8"?>
-<p:sld xmlns:a="http://schemas.openxmlformats.org/drawingml/2006/main" xmlns:r="http://schemas.openxmlformats.org/officeDocument/2006/relationships" xmlns:p="http://schemas.openxmlformats.org/presentationml/2006/main">
-  <p:cSld>
-    <p:spTree>
-      <p:nvGrpSpPr>
-        <p:cNvPr id="1" name=""/>
-        <p:cNvGrpSpPr/>
-        <p:nvPr/>
-      </p:nvGrpSpPr>
-      <p:grpSpPr>
-        <a:xfrm>
-          <a:off x="0" y="0"/>
-          <a:ext cx="0" cy="0"/>
-          <a:chOff x="0" y="0"/>
-          <a:chExt cx="0" cy="0"/>
-        </a:xfrm>
-      </p:grpSpPr>
-      <p:sp>
-        <p:nvSpPr>
-          <p:cNvPr id="2" name="Título 1">
-            <a:extLst>
-              <a:ext uri="{FF2B5EF4-FFF2-40B4-BE49-F238E27FC236}">
-                <a16:creationId xmlns:a16="http://schemas.microsoft.com/office/drawing/2014/main" id="{13B3456E-D485-42FE-8D17-F2C48381B66C}"/>
-              </a:ext>
-            </a:extLst>
-          </p:cNvPr>
-          <p:cNvSpPr>
-            <a:spLocks noGrp="1"/>
-          </p:cNvSpPr>
-          <p:nvPr>
-            <p:ph type="title"/>
-          </p:nvPr>
-        </p:nvSpPr>
-        <p:spPr/>
-        <p:txBody>
-          <a:bodyPr/>
-          <a:lstStyle/>
-          <a:p>
-            <a:endParaRPr lang="es-CO"/>
-          </a:p>
-        </p:txBody>
-      </p:sp>
-      <p:sp>
-        <p:nvSpPr>
-          <p:cNvPr id="3" name="Marcador de contenido 2">
-            <a:extLst>
-              <a:ext uri="{FF2B5EF4-FFF2-40B4-BE49-F238E27FC236}">
-                <a16:creationId xmlns:a16="http://schemas.microsoft.com/office/drawing/2014/main" id="{E66D5195-0B4F-4607-8CB8-A54D4A7103B4}"/>
-              </a:ext>
-            </a:extLst>
-          </p:cNvPr>
-          <p:cNvSpPr>
-            <a:spLocks noGrp="1"/>
-          </p:cNvSpPr>
-          <p:nvPr>
-            <p:ph idx="1"/>
-          </p:nvPr>
-        </p:nvSpPr>
-        <p:spPr/>
-        <p:txBody>
-          <a:bodyPr/>
-          <a:lstStyle/>
-          <a:p>
-            <a:endParaRPr lang="es-CO"/>
-          </a:p>
-        </p:txBody>
-      </p:sp>
-    </p:spTree>
-    <p:extLst>
-      <p:ext uri="{BB962C8B-B14F-4D97-AF65-F5344CB8AC3E}">
-        <p14:creationId xmlns:p14="http://schemas.microsoft.com/office/powerpoint/2010/main" val="3305328266"/>
-      </p:ext>
-    </p:extLst>
-  </p:cSld>
-  <p:clrMapOvr>
-    <a:masterClrMapping/>
-  </p:clrMapOvr>
-</p:sld>
-</file>
-
 <file path=ppt/slides/slide3.xml><?xml version="1.0" encoding="utf-8"?>
 <p:sld xmlns:a="http://schemas.openxmlformats.org/drawingml/2006/main" xmlns:r="http://schemas.openxmlformats.org/officeDocument/2006/relationships" xmlns:p="http://schemas.openxmlformats.org/presentationml/2006/main">
   <p:cSld>
